--- a/uris-marc/slides.pptx
+++ b/uris-marc/slides.pptx
@@ -8216,7 +8216,7 @@
             </a:pPr>
             <a:r>
               <a:rPr lang="en"/>
-              <a:t>URIs in MARC records</a:t>
+              <a:t>URIs in MARC Records</a:t>
             </a:r>
             <a:endParaRPr/>
           </a:p>
@@ -9158,7 +9158,7 @@
             </a:pPr>
             <a:r>
               <a:rPr lang="en"/>
-              <a:t>Why add URLs to MARC records?</a:t>
+              <a:t>Why add URIs to MARC records?</a:t>
             </a:r>
             <a:endParaRPr/>
           </a:p>
